--- a/Presentazione.pptx
+++ b/Presentazione.pptx
@@ -129,6 +129,7 @@
 <p1510:revInfo xmlns:a="http://schemas.openxmlformats.org/drawingml/2006/main" xmlns:r="http://schemas.openxmlformats.org/officeDocument/2006/relationships" xmlns:p1510="http://schemas.microsoft.com/office/powerpoint/2015/10/main">
   <p1510:revLst>
     <p1510:client id="{4D7E4A3F-059B-C3B5-E237-30714A90F5FB}" v="62" dt="2024-09-04T07:49:57.386"/>
+    <p1510:client id="{CA977814-FBFE-CE50-5164-F1F6337B6D66}" v="10" dt="2024-09-05T07:48:07.766"/>
     <p1510:client id="{D952870E-6064-41CB-6CEB-4BDD38871304}" v="67" dt="2024-09-03T09:24:34.500"/>
     <p1510:client id="{EB53DB4D-2255-0F12-5250-B7B8AE4C2622}" v="32" dt="2024-09-05T07:45:33.974"/>
   </p1510:revLst>
@@ -2203,7 +2204,27 @@
             <a:rPr lang="it-IT" sz="1600" dirty="0">
               <a:latin typeface="Calibri Light" panose="020F0302020204030204"/>
             </a:rPr>
-            <a:t> No, anzi col passare del tempo le mie valutazi</a:t>
+            <a:t> No, anzi col passare del tempo le mie </a:t>
+          </a:r>
+          <a:r>
+            <a:rPr lang="it-IT" sz="1600" dirty="0">
+              <a:solidFill>
+                <a:srgbClr val="444444"/>
+              </a:solidFill>
+              <a:latin typeface="Calibri Light" panose="020F0302020204030204"/>
+            </a:rPr>
+            <a:t>valutazioni</a:t>
+          </a:r>
+          <a:r>
+            <a:rPr lang="it-IT" sz="1600" dirty="0">
+              <a:solidFill>
+                <a:srgbClr val="444444"/>
+              </a:solidFill>
+              <a:latin typeface="Calibri Light"/>
+              <a:ea typeface="Calibri Light"/>
+              <a:cs typeface="Calibri Light"/>
+            </a:rPr>
+            <a:t> sono aumentate</a:t>
           </a:r>
           <a:endParaRPr lang="en-US" sz="1600" dirty="0">
             <a:solidFill>
@@ -3637,7 +3658,27 @@
             <a:rPr lang="it-IT" sz="1600" kern="1200" dirty="0">
               <a:latin typeface="Calibri Light" panose="020F0302020204030204"/>
             </a:rPr>
-            <a:t> No, anzi col passare del tempo le mie valutazi</a:t>
+            <a:t> No, anzi col passare del tempo le mie </a:t>
+          </a:r>
+          <a:r>
+            <a:rPr lang="it-IT" sz="1600" kern="1200" dirty="0">
+              <a:solidFill>
+                <a:srgbClr val="444444"/>
+              </a:solidFill>
+              <a:latin typeface="Calibri Light" panose="020F0302020204030204"/>
+            </a:rPr>
+            <a:t>valutazioni</a:t>
+          </a:r>
+          <a:r>
+            <a:rPr lang="it-IT" sz="1600" kern="1200" dirty="0">
+              <a:solidFill>
+                <a:srgbClr val="444444"/>
+              </a:solidFill>
+              <a:latin typeface="Calibri Light"/>
+              <a:ea typeface="Calibri Light"/>
+              <a:cs typeface="Calibri Light"/>
+            </a:rPr>
+            <a:t> sono aumentate</a:t>
           </a:r>
           <a:endParaRPr lang="en-US" sz="1600" kern="1200" dirty="0">
             <a:solidFill>
@@ -11947,9 +11988,9 @@
                   <a:srgbClr val="FFFFFF"/>
                 </a:solidFill>
               </a:rPr>
-              <a:t>aspetti</a:t>
-            </a:r>
-            <a:endParaRPr lang="en-US">
+              <a:t>fattori</a:t>
+            </a:r>
+            <a:endParaRPr lang="en-US" dirty="0" err="1">
               <a:solidFill>
                 <a:srgbClr val="FFFFFF"/>
               </a:solidFill>
